--- a/project_1/docs/JaeKim_ProjectProposal.pptx
+++ b/project_1/docs/JaeKim_ProjectProposal.pptx
@@ -12,8 +12,8 @@
   </p:handoutMasterIdLst>
   <p:sldIdLst>
     <p:sldId id="261" r:id="rId2"/>
-    <p:sldId id="367" r:id="rId3"/>
-    <p:sldId id="371" r:id="rId4"/>
+    <p:sldId id="371" r:id="rId3"/>
+    <p:sldId id="374" r:id="rId4"/>
     <p:sldId id="372" r:id="rId5"/>
     <p:sldId id="373" r:id="rId6"/>
     <p:sldId id="369" r:id="rId7"/>
@@ -219,7 +219,7 @@
           <a:p>
             <a:fld id="{59041DB8-B66F-4DC8-A96E-33677E0F90FF}" type="datetimeFigureOut">
               <a:rPr lang="en-US" smtClean="0"/>
-              <a:t>10/4/2020</a:t>
+              <a:t>10/14/2020</a:t>
             </a:fld>
             <a:endParaRPr lang="en-US"/>
           </a:p>
@@ -384,7 +384,7 @@
           <a:p>
             <a:fld id="{DEB49C4A-65AC-492D-9701-81B46C3AD0E4}" type="datetimeFigureOut">
               <a:rPr lang="en-US" smtClean="0"/>
-              <a:t>10/4/2020</a:t>
+              <a:t>10/14/2020</a:t>
             </a:fld>
             <a:endParaRPr lang="en-US"/>
           </a:p>
@@ -2792,7 +2792,7 @@
           <a:p>
             <a:fld id="{384A29A4-78C8-47AB-BA06-22CB45938951}" type="datetime1">
               <a:rPr lang="en-US" smtClean="0"/>
-              <a:t>10/4/2020</a:t>
+              <a:t>10/14/2020</a:t>
             </a:fld>
             <a:endParaRPr lang="en-US"/>
           </a:p>
@@ -2987,7 +2987,7 @@
           <a:p>
             <a:fld id="{E1ED4ACF-2D82-46F2-A8E9-23963AA34E86}" type="datetime1">
               <a:rPr lang="en-US" smtClean="0"/>
-              <a:t>10/4/2020</a:t>
+              <a:t>10/14/2020</a:t>
             </a:fld>
             <a:endParaRPr lang="en-US"/>
           </a:p>
@@ -3181,7 +3181,7 @@
           <a:p>
             <a:fld id="{AE374B5B-21A0-4192-BF4C-38187F1A68D8}" type="datetime1">
               <a:rPr lang="en-US" smtClean="0"/>
-              <a:t>10/4/2020</a:t>
+              <a:t>10/14/2020</a:t>
             </a:fld>
             <a:endParaRPr lang="en-US"/>
           </a:p>
@@ -5522,7 +5522,7 @@
           <a:p>
             <a:fld id="{33B5CF7C-B333-48E1-A4A6-83A3C8B73AC0}" type="datetime1">
               <a:rPr lang="en-US" smtClean="0"/>
-              <a:t>10/4/2020</a:t>
+              <a:t>10/14/2020</a:t>
             </a:fld>
             <a:endParaRPr lang="en-US"/>
           </a:p>
@@ -5975,7 +5975,7 @@
           <a:p>
             <a:fld id="{AE320762-5CBF-4210-AB54-376B091119F8}" type="datetime1">
               <a:rPr lang="en-US" smtClean="0"/>
-              <a:t>10/4/2020</a:t>
+              <a:t>10/14/2020</a:t>
             </a:fld>
             <a:endParaRPr lang="en-US"/>
           </a:p>
@@ -6107,7 +6107,7 @@
           <a:p>
             <a:fld id="{7F0DB371-BF5F-4058-A212-1A908E4D2674}" type="datetime1">
               <a:rPr lang="en-US" smtClean="0"/>
-              <a:t>10/4/2020</a:t>
+              <a:t>10/14/2020</a:t>
             </a:fld>
             <a:endParaRPr lang="en-US"/>
           </a:p>
@@ -8040,7 +8040,7 @@
           <a:p>
             <a:fld id="{60A4083B-90AA-48CF-BAD5-00AA24D7F288}" type="datetime1">
               <a:rPr lang="en-US" smtClean="0"/>
-              <a:t>10/4/2020</a:t>
+              <a:t>10/14/2020</a:t>
             </a:fld>
             <a:endParaRPr lang="en-US"/>
           </a:p>
@@ -10299,7 +10299,7 @@
             <a:fld id="{F5BAF629-ECA2-4CF3-B790-9D9BDED98269}" type="datetime1">
               <a:rPr lang="en-US" smtClean="0"/>
               <a:pPr/>
-              <a:t>10/4/2020</a:t>
+              <a:t>10/14/2020</a:t>
             </a:fld>
             <a:endParaRPr lang="en-US"/>
           </a:p>
@@ -14594,7 +14594,7 @@
             <a:fld id="{B51B2453-8663-4C69-AF73-9FD7B1DEC5D0}" type="datetime1">
               <a:rPr lang="en-US" smtClean="0"/>
               <a:pPr/>
-              <a:t>10/4/2020</a:t>
+              <a:t>10/14/2020</a:t>
             </a:fld>
             <a:endParaRPr lang="en-US" dirty="0"/>
           </a:p>
@@ -15169,128 +15169,6 @@
           <p:cNvPr id="2" name="Title 1">
             <a:extLst>
               <a:ext uri="{FF2B5EF4-FFF2-40B4-BE49-F238E27FC236}">
-                <a16:creationId xmlns:a16="http://schemas.microsoft.com/office/drawing/2014/main" id="{E7939A49-57C9-4BE3-8B38-E944EB81906A}"/>
-              </a:ext>
-            </a:extLst>
-          </p:cNvPr>
-          <p:cNvSpPr>
-            <a:spLocks noGrp="1"/>
-          </p:cNvSpPr>
-          <p:nvPr>
-            <p:ph type="title"/>
-          </p:nvPr>
-        </p:nvSpPr>
-        <p:spPr/>
-        <p:txBody>
-          <a:bodyPr/>
-          <a:lstStyle/>
-          <a:p>
-            <a:r>
-              <a:rPr lang="en-US" dirty="0"/>
-              <a:t>Background Information</a:t>
-            </a:r>
-          </a:p>
-        </p:txBody>
-      </p:sp>
-      <p:sp>
-        <p:nvSpPr>
-          <p:cNvPr id="3" name="Content Placeholder 2">
-            <a:extLst>
-              <a:ext uri="{FF2B5EF4-FFF2-40B4-BE49-F238E27FC236}">
-                <a16:creationId xmlns:a16="http://schemas.microsoft.com/office/drawing/2014/main" id="{8ED8AE04-697D-4784-A672-E28DA6A47AB6}"/>
-              </a:ext>
-            </a:extLst>
-          </p:cNvPr>
-          <p:cNvSpPr>
-            <a:spLocks noGrp="1"/>
-          </p:cNvSpPr>
-          <p:nvPr>
-            <p:ph idx="1"/>
-          </p:nvPr>
-        </p:nvSpPr>
-        <p:spPr/>
-        <p:txBody>
-          <a:bodyPr/>
-          <a:lstStyle/>
-          <a:p>
-            <a:r>
-              <a:rPr lang="en-US" dirty="0"/>
-              <a:t>What is being proposed?</a:t>
-            </a:r>
-          </a:p>
-          <a:p>
-            <a:pPr lvl="1"/>
-            <a:r>
-              <a:rPr lang="en-US" dirty="0"/>
-              <a:t>Pictures</a:t>
-            </a:r>
-          </a:p>
-          <a:p>
-            <a:pPr lvl="1"/>
-            <a:r>
-              <a:rPr lang="en-US" dirty="0"/>
-              <a:t>Links to existing projects / libraries</a:t>
-            </a:r>
-          </a:p>
-          <a:p>
-            <a:r>
-              <a:rPr lang="en-US" dirty="0"/>
-              <a:t>What improvements / additions over existing project</a:t>
-            </a:r>
-          </a:p>
-          <a:p>
-            <a:pPr lvl="1"/>
-            <a:endParaRPr lang="en-US" dirty="0"/>
-          </a:p>
-        </p:txBody>
-      </p:sp>
-    </p:spTree>
-    <p:extLst>
-      <p:ext uri="{BB962C8B-B14F-4D97-AF65-F5344CB8AC3E}">
-        <p14:creationId xmlns:p14="http://schemas.microsoft.com/office/powerpoint/2010/main" val="3519531026"/>
-      </p:ext>
-    </p:extLst>
-  </p:cSld>
-  <p:clrMapOvr>
-    <a:masterClrMapping/>
-  </p:clrMapOvr>
-  <mc:AlternateContent xmlns:mc="http://schemas.openxmlformats.org/markup-compatibility/2006" xmlns:p14="http://schemas.microsoft.com/office/powerpoint/2010/main">
-    <mc:Choice Requires="p14">
-      <p:transition spd="med" p14:dur="700">
-        <p:fade/>
-      </p:transition>
-    </mc:Choice>
-    <mc:Fallback xmlns="">
-      <p:transition spd="med">
-        <p:fade/>
-      </p:transition>
-    </mc:Fallback>
-  </mc:AlternateContent>
-</p:sld>
-</file>
-
-<file path=ppt/slides/slide3.xml><?xml version="1.0" encoding="utf-8"?>
-<p:sld xmlns:a="http://schemas.openxmlformats.org/drawingml/2006/main" xmlns:r="http://schemas.openxmlformats.org/officeDocument/2006/relationships" xmlns:p="http://schemas.openxmlformats.org/presentationml/2006/main">
-  <p:cSld>
-    <p:spTree>
-      <p:nvGrpSpPr>
-        <p:cNvPr id="1" name=""/>
-        <p:cNvGrpSpPr/>
-        <p:nvPr/>
-      </p:nvGrpSpPr>
-      <p:grpSpPr>
-        <a:xfrm>
-          <a:off x="0" y="0"/>
-          <a:ext cx="0" cy="0"/>
-          <a:chOff x="0" y="0"/>
-          <a:chExt cx="0" cy="0"/>
-        </a:xfrm>
-      </p:grpSpPr>
-      <p:sp>
-        <p:nvSpPr>
-          <p:cNvPr id="2" name="Title 1">
-            <a:extLst>
-              <a:ext uri="{FF2B5EF4-FFF2-40B4-BE49-F238E27FC236}">
                 <a16:creationId xmlns:a16="http://schemas.microsoft.com/office/drawing/2014/main" id="{DEC8BD81-2ACF-4093-A47E-8EB9B3A3F9DF}"/>
               </a:ext>
             </a:extLst>
@@ -15366,7 +15244,7 @@
             </a:r>
             <a:r>
               <a:rPr lang="en-US" dirty="0"/>
-              <a:t>/microphone used for text-to-speech could be on the PocketBeagle/car itself or potentially on a webserver so that you can utilize your phone or similar device as a microphone instead</a:t>
+              <a:t>/microphone used for text-to-speech could be on the PocketBeagle/car itself </a:t>
             </a:r>
           </a:p>
           <a:p>
@@ -15405,6 +15283,165 @@
     <p:extLst>
       <p:ext uri="{BB962C8B-B14F-4D97-AF65-F5344CB8AC3E}">
         <p14:creationId xmlns:p14="http://schemas.microsoft.com/office/powerpoint/2010/main" val="168737357"/>
+      </p:ext>
+    </p:extLst>
+  </p:cSld>
+  <p:clrMapOvr>
+    <a:masterClrMapping/>
+  </p:clrMapOvr>
+  <mc:AlternateContent xmlns:mc="http://schemas.openxmlformats.org/markup-compatibility/2006" xmlns:p14="http://schemas.microsoft.com/office/powerpoint/2010/main">
+    <mc:Choice Requires="p14">
+      <p:transition spd="med" p14:dur="700">
+        <p:fade/>
+      </p:transition>
+    </mc:Choice>
+    <mc:Fallback xmlns="">
+      <p:transition spd="med">
+        <p:fade/>
+      </p:transition>
+    </mc:Fallback>
+  </mc:AlternateContent>
+</p:sld>
+</file>
+
+<file path=ppt/slides/slide3.xml><?xml version="1.0" encoding="utf-8"?>
+<p:sld xmlns:a="http://schemas.openxmlformats.org/drawingml/2006/main" xmlns:r="http://schemas.openxmlformats.org/officeDocument/2006/relationships" xmlns:p="http://schemas.openxmlformats.org/presentationml/2006/main">
+  <p:cSld>
+    <p:spTree>
+      <p:nvGrpSpPr>
+        <p:cNvPr id="1" name=""/>
+        <p:cNvGrpSpPr/>
+        <p:nvPr/>
+      </p:nvGrpSpPr>
+      <p:grpSpPr>
+        <a:xfrm>
+          <a:off x="0" y="0"/>
+          <a:ext cx="0" cy="0"/>
+          <a:chOff x="0" y="0"/>
+          <a:chExt cx="0" cy="0"/>
+        </a:xfrm>
+      </p:grpSpPr>
+      <p:sp>
+        <p:nvSpPr>
+          <p:cNvPr id="2" name="Title 1">
+            <a:extLst>
+              <a:ext uri="{FF2B5EF4-FFF2-40B4-BE49-F238E27FC236}">
+                <a16:creationId xmlns:a16="http://schemas.microsoft.com/office/drawing/2014/main" id="{9ECF10EF-4BB0-4058-9371-34C799DCE944}"/>
+              </a:ext>
+            </a:extLst>
+          </p:cNvPr>
+          <p:cNvSpPr>
+            <a:spLocks noGrp="1"/>
+          </p:cNvSpPr>
+          <p:nvPr>
+            <p:ph type="title"/>
+          </p:nvPr>
+        </p:nvSpPr>
+        <p:spPr/>
+        <p:txBody>
+          <a:bodyPr/>
+          <a:lstStyle/>
+          <a:p>
+            <a:r>
+              <a:rPr lang="en-US" dirty="0"/>
+              <a:t>Supported Voice Commands</a:t>
+            </a:r>
+          </a:p>
+        </p:txBody>
+      </p:sp>
+      <p:sp>
+        <p:nvSpPr>
+          <p:cNvPr id="3" name="Content Placeholder 2">
+            <a:extLst>
+              <a:ext uri="{FF2B5EF4-FFF2-40B4-BE49-F238E27FC236}">
+                <a16:creationId xmlns:a16="http://schemas.microsoft.com/office/drawing/2014/main" id="{AFDE4933-39E5-4413-BF56-E000E61891F2}"/>
+              </a:ext>
+            </a:extLst>
+          </p:cNvPr>
+          <p:cNvSpPr>
+            <a:spLocks noGrp="1"/>
+          </p:cNvSpPr>
+          <p:nvPr>
+            <p:ph idx="1"/>
+          </p:nvPr>
+        </p:nvSpPr>
+        <p:spPr/>
+        <p:txBody>
+          <a:bodyPr>
+            <a:normAutofit lnSpcReduction="10000"/>
+          </a:bodyPr>
+          <a:lstStyle/>
+          <a:p>
+            <a:r>
+              <a:rPr lang="en-US" dirty="0"/>
+              <a:t>Forward</a:t>
+            </a:r>
+          </a:p>
+          <a:p>
+            <a:pPr lvl="1"/>
+            <a:r>
+              <a:rPr lang="en-US" dirty="0"/>
+              <a:t>Move the car in the “forward” direction a specified distance (all wheels spin at same speed in same direction)</a:t>
+            </a:r>
+          </a:p>
+          <a:p>
+            <a:r>
+              <a:rPr lang="en-US" dirty="0"/>
+              <a:t>Backward</a:t>
+            </a:r>
+          </a:p>
+          <a:p>
+            <a:pPr lvl="1"/>
+            <a:r>
+              <a:rPr lang="en-US" dirty="0"/>
+              <a:t>Move the car in the “backward” direction a specified distance (all wheels spin at same speed in same direction)</a:t>
+            </a:r>
+          </a:p>
+          <a:p>
+            <a:r>
+              <a:rPr lang="en-US" dirty="0"/>
+              <a:t>Right</a:t>
+            </a:r>
+          </a:p>
+          <a:p>
+            <a:pPr lvl="1"/>
+            <a:r>
+              <a:rPr lang="en-US" dirty="0"/>
+              <a:t>Turn the car in the “right” direction 90° (left side wheels spin faster than right side wheels)</a:t>
+            </a:r>
+          </a:p>
+          <a:p>
+            <a:r>
+              <a:rPr lang="en-US" dirty="0"/>
+              <a:t>Left</a:t>
+            </a:r>
+          </a:p>
+          <a:p>
+            <a:pPr lvl="1"/>
+            <a:r>
+              <a:rPr lang="en-US" dirty="0"/>
+              <a:t>Turn the car in the “left” direction 90° (right side wheels spin faster than left side wheels)</a:t>
+            </a:r>
+          </a:p>
+          <a:p>
+            <a:r>
+              <a:rPr lang="en-US" dirty="0"/>
+              <a:t>Stop</a:t>
+            </a:r>
+          </a:p>
+          <a:p>
+            <a:pPr lvl="1"/>
+            <a:r>
+              <a:rPr lang="en-US" dirty="0"/>
+              <a:t>Make sure all wheels are not turning</a:t>
+            </a:r>
+          </a:p>
+        </p:txBody>
+      </p:sp>
+    </p:spTree>
+    <p:extLst>
+      <p:ext uri="{BB962C8B-B14F-4D97-AF65-F5344CB8AC3E}">
+        <p14:creationId xmlns:p14="http://schemas.microsoft.com/office/powerpoint/2010/main" val="2601657876"/>
       </p:ext>
     </p:extLst>
   </p:cSld>
@@ -15485,7 +15522,7 @@
         </p:nvSpPr>
         <p:spPr>
           <a:xfrm>
-            <a:off x="2705100" y="1485900"/>
+            <a:off x="3358554" y="1485900"/>
             <a:ext cx="2514600" cy="4267200"/>
           </a:xfrm>
           <a:prstGeom prst="roundRect">
@@ -15531,7 +15568,7 @@
         </p:nvSpPr>
         <p:spPr>
           <a:xfrm>
-            <a:off x="3162300" y="2286000"/>
+            <a:off x="3815754" y="2286000"/>
             <a:ext cx="1600200" cy="369332"/>
           </a:xfrm>
           <a:prstGeom prst="rect">
@@ -15566,7 +15603,7 @@
         </p:nvSpPr>
         <p:spPr>
           <a:xfrm>
-            <a:off x="5612091" y="3556367"/>
+            <a:off x="6265545" y="3556367"/>
             <a:ext cx="3200400" cy="1600200"/>
           </a:xfrm>
           <a:prstGeom prst="roundRect">
@@ -15619,7 +15656,7 @@
         </p:nvSpPr>
         <p:spPr>
           <a:xfrm>
-            <a:off x="609600" y="2859047"/>
+            <a:off x="1263054" y="2859047"/>
             <a:ext cx="1714500" cy="647700"/>
           </a:xfrm>
           <a:prstGeom prst="roundRect">
@@ -15653,7 +15690,7 @@
                   <a:schemeClr val="tx1"/>
                 </a:solidFill>
               </a:rPr>
-              <a:t>Wi-Fi Dongle</a:t>
+              <a:t>Audio Adapter</a:t>
             </a:r>
           </a:p>
         </p:txBody>
@@ -15672,7 +15709,7 @@
         </p:nvSpPr>
         <p:spPr>
           <a:xfrm>
-            <a:off x="2705100" y="2998231"/>
+            <a:off x="3358554" y="2998231"/>
             <a:ext cx="838200" cy="369332"/>
           </a:xfrm>
           <a:prstGeom prst="rect">
@@ -15711,7 +15748,7 @@
         </p:nvCxnSpPr>
         <p:spPr>
           <a:xfrm>
-            <a:off x="2324100" y="3182897"/>
+            <a:off x="2977554" y="3182897"/>
             <a:ext cx="381000" cy="0"/>
           </a:xfrm>
           <a:prstGeom prst="line">
@@ -15752,7 +15789,7 @@
         </p:nvSpPr>
         <p:spPr>
           <a:xfrm>
-            <a:off x="4434840" y="3390900"/>
+            <a:off x="5088294" y="3390900"/>
             <a:ext cx="784860" cy="369332"/>
           </a:xfrm>
           <a:prstGeom prst="rect">
@@ -15787,7 +15824,7 @@
         </p:nvSpPr>
         <p:spPr>
           <a:xfrm>
-            <a:off x="5867400" y="3556367"/>
+            <a:off x="6520854" y="3556367"/>
             <a:ext cx="1485900" cy="307777"/>
           </a:xfrm>
           <a:prstGeom prst="rect">
@@ -15826,7 +15863,7 @@
         </p:nvCxnSpPr>
         <p:spPr>
           <a:xfrm flipV="1">
-            <a:off x="5219700" y="3556367"/>
+            <a:off x="5873154" y="3556367"/>
             <a:ext cx="1390650" cy="19199"/>
           </a:xfrm>
           <a:prstGeom prst="line">
@@ -15867,7 +15904,7 @@
         </p:nvSpPr>
         <p:spPr>
           <a:xfrm>
-            <a:off x="9690696" y="3124200"/>
+            <a:off x="10344150" y="3124200"/>
             <a:ext cx="1276350" cy="2454444"/>
           </a:xfrm>
           <a:prstGeom prst="roundRect">
@@ -15920,7 +15957,7 @@
         </p:nvSpPr>
         <p:spPr>
           <a:xfrm>
-            <a:off x="7290455" y="3556367"/>
+            <a:off x="7943909" y="3556367"/>
             <a:ext cx="1676400" cy="307777"/>
           </a:xfrm>
           <a:prstGeom prst="rect">
@@ -15959,7 +15996,7 @@
         </p:nvCxnSpPr>
         <p:spPr>
           <a:xfrm flipV="1">
-            <a:off x="8128655" y="3544789"/>
+            <a:off x="8782109" y="3544789"/>
             <a:ext cx="1562041" cy="11578"/>
           </a:xfrm>
           <a:prstGeom prst="line">
@@ -16000,7 +16037,7 @@
         </p:nvSpPr>
         <p:spPr>
           <a:xfrm>
-            <a:off x="9690696" y="3390900"/>
+            <a:off x="10344150" y="3390900"/>
             <a:ext cx="784860" cy="307777"/>
           </a:xfrm>
           <a:prstGeom prst="rect">
@@ -16035,7 +16072,7 @@
         </p:nvSpPr>
         <p:spPr>
           <a:xfrm>
-            <a:off x="7353300" y="4860368"/>
+            <a:off x="8006754" y="4860368"/>
             <a:ext cx="1485900" cy="307777"/>
           </a:xfrm>
           <a:prstGeom prst="rect">
@@ -16070,7 +16107,7 @@
         </p:nvSpPr>
         <p:spPr>
           <a:xfrm>
-            <a:off x="9663987" y="4847337"/>
+            <a:off x="10317441" y="4847337"/>
             <a:ext cx="1276350" cy="307777"/>
           </a:xfrm>
           <a:prstGeom prst="rect">
@@ -16109,7 +16146,7 @@
         </p:nvCxnSpPr>
         <p:spPr>
           <a:xfrm flipV="1">
-            <a:off x="8096250" y="5155114"/>
+            <a:off x="8749704" y="5155114"/>
             <a:ext cx="2205912" cy="13031"/>
           </a:xfrm>
           <a:prstGeom prst="line">
@@ -16150,7 +16187,7 @@
         </p:nvSpPr>
         <p:spPr>
           <a:xfrm>
-            <a:off x="5861685" y="4860368"/>
+            <a:off x="6515139" y="4860368"/>
             <a:ext cx="1596390" cy="307777"/>
           </a:xfrm>
           <a:prstGeom prst="rect">
@@ -16185,7 +16222,7 @@
         </p:nvSpPr>
         <p:spPr>
           <a:xfrm flipH="1">
-            <a:off x="4572000" y="4970448"/>
+            <a:off x="5225454" y="4970448"/>
             <a:ext cx="651510" cy="369332"/>
           </a:xfrm>
           <a:prstGeom prst="rect">
@@ -16224,8 +16261,106 @@
         </p:nvCxnSpPr>
         <p:spPr>
           <a:xfrm>
-            <a:off x="5223510" y="5155114"/>
+            <a:off x="5876964" y="5155114"/>
             <a:ext cx="1436370" cy="13031"/>
+          </a:xfrm>
+          <a:prstGeom prst="line">
+            <a:avLst/>
+          </a:prstGeom>
+          <a:ln w="28575">
+            <a:solidFill>
+              <a:schemeClr val="tx1"/>
+            </a:solidFill>
+          </a:ln>
+        </p:spPr>
+        <p:style>
+          <a:lnRef idx="1">
+            <a:schemeClr val="accent1"/>
+          </a:lnRef>
+          <a:fillRef idx="0">
+            <a:schemeClr val="accent1"/>
+          </a:fillRef>
+          <a:effectRef idx="0">
+            <a:schemeClr val="accent1"/>
+          </a:effectRef>
+          <a:fontRef idx="minor">
+            <a:schemeClr val="tx1"/>
+          </a:fontRef>
+        </p:style>
+      </p:cxnSp>
+      <p:sp>
+        <p:nvSpPr>
+          <p:cNvPr id="3" name="Rectangle: Rounded Corners 2">
+            <a:extLst>
+              <a:ext uri="{FF2B5EF4-FFF2-40B4-BE49-F238E27FC236}">
+                <a16:creationId xmlns:a16="http://schemas.microsoft.com/office/drawing/2014/main" id="{71825807-6056-44C3-AC5F-0A7A03EAF5B4}"/>
+              </a:ext>
+            </a:extLst>
+          </p:cNvPr>
+          <p:cNvSpPr/>
+          <p:nvPr/>
+        </p:nvSpPr>
+        <p:spPr>
+          <a:xfrm>
+            <a:off x="1263054" y="4182355"/>
+            <a:ext cx="1714500" cy="647700"/>
+          </a:xfrm>
+          <a:prstGeom prst="roundRect">
+            <a:avLst/>
+          </a:prstGeom>
+        </p:spPr>
+        <p:style>
+          <a:lnRef idx="2">
+            <a:schemeClr val="accent1">
+              <a:shade val="50000"/>
+            </a:schemeClr>
+          </a:lnRef>
+          <a:fillRef idx="1">
+            <a:schemeClr val="accent1"/>
+          </a:fillRef>
+          <a:effectRef idx="0">
+            <a:schemeClr val="accent1"/>
+          </a:effectRef>
+          <a:fontRef idx="minor">
+            <a:schemeClr val="lt1"/>
+          </a:fontRef>
+        </p:style>
+        <p:txBody>
+          <a:bodyPr rtlCol="0" anchor="ctr"/>
+          <a:lstStyle/>
+          <a:p>
+            <a:pPr algn="ctr"/>
+            <a:r>
+              <a:rPr lang="en-US" dirty="0">
+                <a:solidFill>
+                  <a:schemeClr val="tx1"/>
+                </a:solidFill>
+              </a:rPr>
+              <a:t>Microphone</a:t>
+            </a:r>
+          </a:p>
+        </p:txBody>
+      </p:sp>
+      <p:cxnSp>
+        <p:nvCxnSpPr>
+          <p:cNvPr id="8" name="Straight Connector 7">
+            <a:extLst>
+              <a:ext uri="{FF2B5EF4-FFF2-40B4-BE49-F238E27FC236}">
+                <a16:creationId xmlns:a16="http://schemas.microsoft.com/office/drawing/2014/main" id="{91534F56-00DD-4E7E-86CC-947AE5669B25}"/>
+              </a:ext>
+            </a:extLst>
+          </p:cNvPr>
+          <p:cNvCxnSpPr>
+            <a:cxnSpLocks/>
+            <a:stCxn id="3" idx="0"/>
+            <a:endCxn id="12" idx="2"/>
+          </p:cNvCxnSpPr>
+          <p:nvPr/>
+        </p:nvCxnSpPr>
+        <p:spPr>
+          <a:xfrm flipV="1">
+            <a:off x="2120304" y="3506747"/>
+            <a:ext cx="0" cy="675608"/>
           </a:xfrm>
           <a:prstGeom prst="line">
             <a:avLst/>
@@ -16396,11 +16531,7 @@
           <a:lstStyle/>
           <a:p>
             <a:r>
-              <a:rPr lang="en-US" dirty="0">
-                <a:solidFill>
-                  <a:schemeClr val="bg1"/>
-                </a:solidFill>
-              </a:rPr>
+              <a:rPr lang="en-US" dirty="0"/>
               <a:t>PocketBeagle</a:t>
             </a:r>
           </a:p>
@@ -16507,7 +16638,7 @@
                   <a:schemeClr val="tx1"/>
                 </a:solidFill>
               </a:rPr>
-              <a:t>Wi-Fi Dongle</a:t>
+              <a:t>Audio Adapter</a:t>
             </a:r>
           </a:p>
         </p:txBody>
@@ -17155,85 +17286,6 @@
       </p:cxnSp>
       <p:cxnSp>
         <p:nvCxnSpPr>
-          <p:cNvPr id="32" name="Straight Connector 31">
-            <a:extLst>
-              <a:ext uri="{FF2B5EF4-FFF2-40B4-BE49-F238E27FC236}">
-                <a16:creationId xmlns:a16="http://schemas.microsoft.com/office/drawing/2014/main" id="{6EDE8B9D-C5E7-430F-8DE7-7AA6FA5850FD}"/>
-              </a:ext>
-            </a:extLst>
-          </p:cNvPr>
-          <p:cNvCxnSpPr>
-            <a:cxnSpLocks/>
-            <a:endCxn id="33" idx="0"/>
-          </p:cNvCxnSpPr>
-          <p:nvPr/>
-        </p:nvCxnSpPr>
-        <p:spPr>
-          <a:xfrm flipH="1">
-            <a:off x="8839200" y="5251938"/>
-            <a:ext cx="267627" cy="435142"/>
-          </a:xfrm>
-          <a:prstGeom prst="line">
-            <a:avLst/>
-          </a:prstGeom>
-          <a:ln w="28575">
-            <a:solidFill>
-              <a:schemeClr val="tx1"/>
-            </a:solidFill>
-          </a:ln>
-        </p:spPr>
-        <p:style>
-          <a:lnRef idx="1">
-            <a:schemeClr val="accent1"/>
-          </a:lnRef>
-          <a:fillRef idx="0">
-            <a:schemeClr val="accent1"/>
-          </a:fillRef>
-          <a:effectRef idx="0">
-            <a:schemeClr val="accent1"/>
-          </a:effectRef>
-          <a:fontRef idx="minor">
-            <a:schemeClr val="tx1"/>
-          </a:fontRef>
-        </p:style>
-      </p:cxnSp>
-      <p:sp>
-        <p:nvSpPr>
-          <p:cNvPr id="33" name="TextBox 32">
-            <a:extLst>
-              <a:ext uri="{FF2B5EF4-FFF2-40B4-BE49-F238E27FC236}">
-                <a16:creationId xmlns:a16="http://schemas.microsoft.com/office/drawing/2014/main" id="{6FA2A0A5-52CD-4FEC-908C-3EFF0C7FD455}"/>
-              </a:ext>
-            </a:extLst>
-          </p:cNvPr>
-          <p:cNvSpPr txBox="1"/>
-          <p:nvPr/>
-        </p:nvSpPr>
-        <p:spPr>
-          <a:xfrm>
-            <a:off x="7867211" y="5687080"/>
-            <a:ext cx="1943978" cy="369332"/>
-          </a:xfrm>
-          <a:prstGeom prst="rect">
-            <a:avLst/>
-          </a:prstGeom>
-          <a:noFill/>
-        </p:spPr>
-        <p:txBody>
-          <a:bodyPr wrap="square" rtlCol="0">
-            <a:spAutoFit/>
-          </a:bodyPr>
-          <a:lstStyle/>
-          <a:p>
-            <a:r>
-              <a:rPr lang="en-US" dirty="0"/>
-              <a:t>Will need step up</a:t>
-            </a:r>
-          </a:p>
-        </p:txBody>
-      </p:sp>
-      <p:cxnSp>
-        <p:nvCxnSpPr>
           <p:cNvPr id="36" name="Straight Connector 35">
             <a:extLst>
               <a:ext uri="{FF2B5EF4-FFF2-40B4-BE49-F238E27FC236}">
@@ -17311,6 +17363,104 @@
           </a:p>
         </p:txBody>
       </p:sp>
+      <p:sp>
+        <p:nvSpPr>
+          <p:cNvPr id="27" name="Rectangle: Rounded Corners 26">
+            <a:extLst>
+              <a:ext uri="{FF2B5EF4-FFF2-40B4-BE49-F238E27FC236}">
+                <a16:creationId xmlns:a16="http://schemas.microsoft.com/office/drawing/2014/main" id="{1E51951C-1CBF-416A-9500-33EA813A2FFE}"/>
+              </a:ext>
+            </a:extLst>
+          </p:cNvPr>
+          <p:cNvSpPr/>
+          <p:nvPr/>
+        </p:nvSpPr>
+        <p:spPr>
+          <a:xfrm>
+            <a:off x="609600" y="4199637"/>
+            <a:ext cx="1714500" cy="647700"/>
+          </a:xfrm>
+          <a:prstGeom prst="roundRect">
+            <a:avLst/>
+          </a:prstGeom>
+        </p:spPr>
+        <p:style>
+          <a:lnRef idx="2">
+            <a:schemeClr val="accent1">
+              <a:shade val="50000"/>
+            </a:schemeClr>
+          </a:lnRef>
+          <a:fillRef idx="1">
+            <a:schemeClr val="accent1"/>
+          </a:fillRef>
+          <a:effectRef idx="0">
+            <a:schemeClr val="accent1"/>
+          </a:effectRef>
+          <a:fontRef idx="minor">
+            <a:schemeClr val="lt1"/>
+          </a:fontRef>
+        </p:style>
+        <p:txBody>
+          <a:bodyPr rtlCol="0" anchor="ctr"/>
+          <a:lstStyle/>
+          <a:p>
+            <a:pPr algn="ctr"/>
+            <a:r>
+              <a:rPr lang="en-US" dirty="0">
+                <a:solidFill>
+                  <a:schemeClr val="tx1"/>
+                </a:solidFill>
+              </a:rPr>
+              <a:t>Microphone</a:t>
+            </a:r>
+          </a:p>
+        </p:txBody>
+      </p:sp>
+      <p:cxnSp>
+        <p:nvCxnSpPr>
+          <p:cNvPr id="28" name="Straight Connector 27">
+            <a:extLst>
+              <a:ext uri="{FF2B5EF4-FFF2-40B4-BE49-F238E27FC236}">
+                <a16:creationId xmlns:a16="http://schemas.microsoft.com/office/drawing/2014/main" id="{35913B2F-6AE8-46AA-8FAD-0F46774A3411}"/>
+              </a:ext>
+            </a:extLst>
+          </p:cNvPr>
+          <p:cNvCxnSpPr>
+            <a:cxnSpLocks/>
+            <a:stCxn id="27" idx="0"/>
+            <a:endCxn id="7" idx="2"/>
+          </p:cNvCxnSpPr>
+          <p:nvPr/>
+        </p:nvCxnSpPr>
+        <p:spPr>
+          <a:xfrm flipV="1">
+            <a:off x="1466850" y="3506747"/>
+            <a:ext cx="0" cy="692890"/>
+          </a:xfrm>
+          <a:prstGeom prst="line">
+            <a:avLst/>
+          </a:prstGeom>
+          <a:ln w="28575">
+            <a:solidFill>
+              <a:schemeClr val="tx1"/>
+            </a:solidFill>
+          </a:ln>
+        </p:spPr>
+        <p:style>
+          <a:lnRef idx="1">
+            <a:schemeClr val="accent1"/>
+          </a:lnRef>
+          <a:fillRef idx="0">
+            <a:schemeClr val="accent1"/>
+          </a:fillRef>
+          <a:effectRef idx="0">
+            <a:schemeClr val="accent1"/>
+          </a:effectRef>
+          <a:fontRef idx="minor">
+            <a:schemeClr val="tx1"/>
+          </a:fontRef>
+        </p:style>
+      </p:cxnSp>
     </p:spTree>
     <p:extLst>
       <p:ext uri="{BB962C8B-B14F-4D97-AF65-F5344CB8AC3E}">
@@ -17397,7 +17547,7 @@
             <p:ph idx="1"/>
             <p:extLst>
               <p:ext uri="{D42A27DB-BD31-4B8C-83A1-F6EECF244321}">
-                <p14:modId xmlns:p14="http://schemas.microsoft.com/office/powerpoint/2010/main" val="3200168913"/>
+                <p14:modId xmlns:p14="http://schemas.microsoft.com/office/powerpoint/2010/main" val="700356270"/>
               </p:ext>
             </p:extLst>
           </p:nvPr>
@@ -17589,8 +17739,17 @@
                         <a:rPr lang="en-US" dirty="0">
                           <a:effectLst/>
                         </a:rPr>
-                        <a:t>Wi-fi Dongle*</a:t>
+                        <a:t>USB dongle for </a:t>
                       </a:r>
+                      <a:r>
+                        <a:rPr lang="en-US" dirty="0" err="1">
+                          <a:effectLst/>
+                        </a:rPr>
+                        <a:t>PocketBeagle</a:t>
+                      </a:r>
+                      <a:endParaRPr lang="en-US" dirty="0">
+                        <a:effectLst/>
+                      </a:endParaRPr>
                     </a:p>
                   </a:txBody>
                   <a:tcPr marT="76200" marB="76200" anchor="ctr"/>
@@ -17673,7 +17832,10 @@
                     <a:bodyPr/>
                     <a:lstStyle/>
                     <a:p>
-                      <a:endParaRPr lang="en-US" dirty="0"/>
+                      <a:r>
+                        <a:rPr lang="en-US" dirty="0"/>
+                        <a:t>Small USB audio adapter</a:t>
+                      </a:r>
                     </a:p>
                   </a:txBody>
                   <a:tcPr/>
@@ -17683,7 +17845,10 @@
                     <a:bodyPr/>
                     <a:lstStyle/>
                     <a:p>
-                      <a:endParaRPr lang="en-US" dirty="0"/>
+                      <a:r>
+                        <a:rPr lang="en-US" dirty="0"/>
+                        <a:t>N</a:t>
+                      </a:r>
                     </a:p>
                   </a:txBody>
                   <a:tcPr/>
@@ -17710,7 +17875,10 @@
                     <a:bodyPr/>
                     <a:lstStyle/>
                     <a:p>
-                      <a:endParaRPr lang="en-US" dirty="0"/>
+                      <a:r>
+                        <a:rPr lang="en-US" dirty="0"/>
+                        <a:t>Small microphone</a:t>
+                      </a:r>
                     </a:p>
                   </a:txBody>
                   <a:tcPr/>
@@ -17720,7 +17888,10 @@
                     <a:bodyPr/>
                     <a:lstStyle/>
                     <a:p>
-                      <a:endParaRPr lang="en-US" dirty="0"/>
+                      <a:r>
+                        <a:rPr lang="en-US" dirty="0"/>
+                        <a:t>TBD</a:t>
+                      </a:r>
                     </a:p>
                   </a:txBody>
                   <a:tcPr/>
@@ -17782,41 +17953,6 @@
           </a:graphicData>
         </a:graphic>
       </p:graphicFrame>
-      <p:sp>
-        <p:nvSpPr>
-          <p:cNvPr id="3" name="TextBox 2">
-            <a:extLst>
-              <a:ext uri="{FF2B5EF4-FFF2-40B4-BE49-F238E27FC236}">
-                <a16:creationId xmlns:a16="http://schemas.microsoft.com/office/drawing/2014/main" id="{36F051A7-7612-4E6E-86F7-B47848131C63}"/>
-              </a:ext>
-            </a:extLst>
-          </p:cNvPr>
-          <p:cNvSpPr txBox="1"/>
-          <p:nvPr/>
-        </p:nvSpPr>
-        <p:spPr>
-          <a:xfrm>
-            <a:off x="609600" y="6260068"/>
-            <a:ext cx="8839200" cy="369332"/>
-          </a:xfrm>
-          <a:prstGeom prst="rect">
-            <a:avLst/>
-          </a:prstGeom>
-          <a:noFill/>
-        </p:spPr>
-        <p:txBody>
-          <a:bodyPr wrap="square" rtlCol="0">
-            <a:spAutoFit/>
-          </a:bodyPr>
-          <a:lstStyle/>
-          <a:p>
-            <a:r>
-              <a:rPr lang="en-US" dirty="0"/>
-              <a:t>* No specific wi-fi dongle specified because I think you said you had some available</a:t>
-            </a:r>
-          </a:p>
-        </p:txBody>
-      </p:sp>
     </p:spTree>
     <p:extLst>
       <p:ext uri="{BB962C8B-B14F-4D97-AF65-F5344CB8AC3E}">
